--- a/新規 Microsoft PowerPoint プレゼンテーション.pptx
+++ b/新規 Microsoft PowerPoint プレゼンテーション.pptx
@@ -110,6 +110,11 @@
       </a:defRPr>
     </a:lvl9pPr>
   </p:defaultTextStyle>
+  <p:extLst>
+    <p:ext uri="{EFAFB233-063F-42B5-8137-9DF3F51BA10A}">
+      <p15:sldGuideLst xmlns:p15="http://schemas.microsoft.com/office/powerpoint/2012/main"/>
+    </p:ext>
+  </p:extLst>
 </p:presentation>
 </file>
 
@@ -262,7 +267,7 @@
           <a:p>
             <a:fld id="{933BD42D-05F9-44E0-96F9-67446DB16D4A}" type="datetimeFigureOut">
               <a:rPr lang="en-US" smtClean="0"/>
-              <a:t>3/14/2023</a:t>
+              <a:t>3/15/2023</a:t>
             </a:fld>
             <a:endParaRPr lang="en-US"/>
           </a:p>
@@ -494,7 +499,7 @@
           <a:p>
             <a:fld id="{933BD42D-05F9-44E0-96F9-67446DB16D4A}" type="datetimeFigureOut">
               <a:rPr lang="en-US" smtClean="0"/>
-              <a:t>3/14/2023</a:t>
+              <a:t>3/15/2023</a:t>
             </a:fld>
             <a:endParaRPr lang="en-US"/>
           </a:p>
@@ -736,7 +741,7 @@
           <a:p>
             <a:fld id="{933BD42D-05F9-44E0-96F9-67446DB16D4A}" type="datetimeFigureOut">
               <a:rPr lang="en-US" smtClean="0"/>
-              <a:t>3/14/2023</a:t>
+              <a:t>3/15/2023</a:t>
             </a:fld>
             <a:endParaRPr lang="en-US"/>
           </a:p>
@@ -968,7 +973,7 @@
           <a:p>
             <a:fld id="{933BD42D-05F9-44E0-96F9-67446DB16D4A}" type="datetimeFigureOut">
               <a:rPr lang="en-US" smtClean="0"/>
-              <a:t>3/14/2023</a:t>
+              <a:t>3/15/2023</a:t>
             </a:fld>
             <a:endParaRPr lang="en-US"/>
           </a:p>
@@ -1244,7 +1249,7 @@
           <a:p>
             <a:fld id="{933BD42D-05F9-44E0-96F9-67446DB16D4A}" type="datetimeFigureOut">
               <a:rPr lang="en-US" smtClean="0"/>
-              <a:t>3/14/2023</a:t>
+              <a:t>3/15/2023</a:t>
             </a:fld>
             <a:endParaRPr lang="en-US"/>
           </a:p>
@@ -1576,7 +1581,7 @@
           <a:p>
             <a:fld id="{933BD42D-05F9-44E0-96F9-67446DB16D4A}" type="datetimeFigureOut">
               <a:rPr lang="en-US" smtClean="0"/>
-              <a:t>3/14/2023</a:t>
+              <a:t>3/15/2023</a:t>
             </a:fld>
             <a:endParaRPr lang="en-US"/>
           </a:p>
@@ -2055,7 +2060,7 @@
           <a:p>
             <a:fld id="{933BD42D-05F9-44E0-96F9-67446DB16D4A}" type="datetimeFigureOut">
               <a:rPr lang="en-US" smtClean="0"/>
-              <a:t>3/14/2023</a:t>
+              <a:t>3/15/2023</a:t>
             </a:fld>
             <a:endParaRPr lang="en-US"/>
           </a:p>
@@ -2197,7 +2202,7 @@
           <a:p>
             <a:fld id="{933BD42D-05F9-44E0-96F9-67446DB16D4A}" type="datetimeFigureOut">
               <a:rPr lang="en-US" smtClean="0"/>
-              <a:t>3/14/2023</a:t>
+              <a:t>3/15/2023</a:t>
             </a:fld>
             <a:endParaRPr lang="en-US"/>
           </a:p>
@@ -2310,7 +2315,7 @@
           <a:p>
             <a:fld id="{933BD42D-05F9-44E0-96F9-67446DB16D4A}" type="datetimeFigureOut">
               <a:rPr lang="en-US" smtClean="0"/>
-              <a:t>3/14/2023</a:t>
+              <a:t>3/15/2023</a:t>
             </a:fld>
             <a:endParaRPr lang="en-US"/>
           </a:p>
@@ -2655,7 +2660,7 @@
           <a:p>
             <a:fld id="{933BD42D-05F9-44E0-96F9-67446DB16D4A}" type="datetimeFigureOut">
               <a:rPr lang="en-US" smtClean="0"/>
-              <a:t>3/14/2023</a:t>
+              <a:t>3/15/2023</a:t>
             </a:fld>
             <a:endParaRPr lang="en-US"/>
           </a:p>
@@ -2944,7 +2949,7 @@
           <a:p>
             <a:fld id="{933BD42D-05F9-44E0-96F9-67446DB16D4A}" type="datetimeFigureOut">
               <a:rPr lang="en-US" smtClean="0"/>
-              <a:t>3/14/2023</a:t>
+              <a:t>3/15/2023</a:t>
             </a:fld>
             <a:endParaRPr lang="en-US"/>
           </a:p>
@@ -3219,7 +3224,7 @@
           <a:p>
             <a:fld id="{933BD42D-05F9-44E0-96F9-67446DB16D4A}" type="datetimeFigureOut">
               <a:rPr lang="en-US" smtClean="0"/>
-              <a:t>3/14/2023</a:t>
+              <a:t>3/15/2023</a:t>
             </a:fld>
             <a:endParaRPr lang="en-US"/>
           </a:p>
@@ -3904,8 +3909,8 @@
           </a:p>
         </p:txBody>
       </p:sp>
-      <mc:AlternateContent xmlns:mc="http://schemas.openxmlformats.org/markup-compatibility/2006">
-        <mc:Choice xmlns:a14="http://schemas.microsoft.com/office/drawing/2010/main" Requires="a14">
+      <mc:AlternateContent xmlns:mc="http://schemas.openxmlformats.org/markup-compatibility/2006" xmlns:a14="http://schemas.microsoft.com/office/drawing/2010/main">
+        <mc:Choice Requires="a14">
           <p:sp>
             <p:nvSpPr>
               <p:cNvPr id="3" name="コンテンツ プレースホルダー 2">
@@ -4388,7 +4393,7 @@
             </p:txBody>
           </p:sp>
         </mc:Choice>
-        <mc:Fallback>
+        <mc:Fallback xmlns="">
           <p:sp>
             <p:nvSpPr>
               <p:cNvPr id="3" name="コンテンツ プレースホルダー 2">
